--- a/Dobókockák.pptx
+++ b/Dobókockák.pptx
@@ -203,7 +203,7 @@
           <a:p>
             <a:fld id="{D5692A8B-F6BD-4AE3-8B06-7CACF8895A1A}" type="datetimeFigureOut">
               <a:rPr lang="hu-HU" smtClean="0"/>
-              <a:t>2020. 11. 28.</a:t>
+              <a:t>2020. 11. 29.</a:t>
             </a:fld>
             <a:endParaRPr lang="hu-HU"/>
           </a:p>
@@ -802,7 +802,7 @@
           <a:p>
             <a:fld id="{6EBBCD62-8F63-414E-9F43-9AAD87CC06E7}" type="datetime1">
               <a:rPr lang="en-US" smtClean="0"/>
-              <a:t>11/28/2020</a:t>
+              <a:t>11/29/2020</a:t>
             </a:fld>
             <a:endParaRPr lang="en-US" dirty="0"/>
           </a:p>
@@ -1122,7 +1122,7 @@
           <a:p>
             <a:fld id="{16426585-1B3A-40E8-BDF8-78817FA092F8}" type="datetime1">
               <a:rPr lang="en-US" smtClean="0"/>
-              <a:t>11/28/2020</a:t>
+              <a:t>11/29/2020</a:t>
             </a:fld>
             <a:endParaRPr lang="en-US" dirty="0"/>
           </a:p>
@@ -1366,7 +1366,7 @@
           <a:p>
             <a:fld id="{E169B399-2AD0-47A5-8D83-2FAD5E264FF5}" type="datetime1">
               <a:rPr lang="en-US" smtClean="0"/>
-              <a:t>11/28/2020</a:t>
+              <a:t>11/29/2020</a:t>
             </a:fld>
             <a:endParaRPr lang="en-US" dirty="0"/>
           </a:p>
@@ -1701,7 +1701,7 @@
           <a:p>
             <a:fld id="{8FE728C8-8E8D-44BC-929F-5EB0335B6552}" type="datetime1">
               <a:rPr lang="en-US" smtClean="0"/>
-              <a:t>11/28/2020</a:t>
+              <a:t>11/29/2020</a:t>
             </a:fld>
             <a:endParaRPr lang="en-US" dirty="0"/>
           </a:p>
@@ -2044,7 +2044,7 @@
           <a:p>
             <a:fld id="{C75124B3-A0AA-47FE-AD9F-7E6FADA18F69}" type="datetime1">
               <a:rPr lang="en-US" smtClean="0"/>
-              <a:t>11/28/2020</a:t>
+              <a:t>11/29/2020</a:t>
             </a:fld>
             <a:endParaRPr lang="en-US" dirty="0"/>
           </a:p>
@@ -2414,7 +2414,7 @@
           <a:p>
             <a:fld id="{6646701A-1009-4785-BA55-52E649B13AD8}" type="datetime1">
               <a:rPr lang="en-US" smtClean="0"/>
-              <a:t>11/28/2020</a:t>
+              <a:t>11/29/2020</a:t>
             </a:fld>
             <a:endParaRPr lang="en-US" dirty="0"/>
           </a:p>
@@ -2880,7 +2880,7 @@
           <a:p>
             <a:fld id="{2FA86751-96A7-4BEA-AF76-3988DAE503D5}" type="datetime1">
               <a:rPr lang="en-US" smtClean="0"/>
-              <a:t>11/28/2020</a:t>
+              <a:t>11/29/2020</a:t>
             </a:fld>
             <a:endParaRPr lang="en-US" dirty="0"/>
           </a:p>
@@ -3081,7 +3081,7 @@
           <a:p>
             <a:fld id="{6B5CBD29-3372-4AC9-85AA-6208081F56EB}" type="datetime1">
               <a:rPr lang="en-US" smtClean="0"/>
-              <a:t>11/28/2020</a:t>
+              <a:t>11/29/2020</a:t>
             </a:fld>
             <a:endParaRPr lang="en-US" dirty="0"/>
           </a:p>
@@ -3288,7 +3288,7 @@
           <a:p>
             <a:fld id="{8228AC35-4F26-4DF0-8A15-67E14D086A04}" type="datetime1">
               <a:rPr lang="en-US" smtClean="0"/>
-              <a:t>11/28/2020</a:t>
+              <a:t>11/29/2020</a:t>
             </a:fld>
             <a:endParaRPr lang="en-US" dirty="0"/>
           </a:p>
@@ -3516,7 +3516,7 @@
           <a:p>
             <a:fld id="{0B8A3451-4588-4554-B51C-548982DD41A3}" type="datetime1">
               <a:rPr lang="en-US" smtClean="0"/>
-              <a:t>11/28/2020</a:t>
+              <a:t>11/29/2020</a:t>
             </a:fld>
             <a:endParaRPr lang="en-US" dirty="0"/>
           </a:p>
@@ -3759,7 +3759,7 @@
           <a:p>
             <a:fld id="{6D740BE3-8ACC-438F-9F46-44565199797F}" type="datetime1">
               <a:rPr lang="en-US" smtClean="0"/>
-              <a:t>11/28/2020</a:t>
+              <a:t>11/29/2020</a:t>
             </a:fld>
             <a:endParaRPr lang="en-US" dirty="0"/>
           </a:p>
@@ -4053,7 +4053,7 @@
           <a:p>
             <a:fld id="{49FCAAC3-3C1C-417D-86F6-6D0F344D5148}" type="datetime1">
               <a:rPr lang="en-US" smtClean="0"/>
-              <a:t>11/28/2020</a:t>
+              <a:t>11/29/2020</a:t>
             </a:fld>
             <a:endParaRPr lang="en-US" dirty="0"/>
           </a:p>
@@ -4442,7 +4442,7 @@
           <a:p>
             <a:fld id="{580D1FA6-1043-4EE9-82A0-AD822134310E}" type="datetime1">
               <a:rPr lang="en-US" smtClean="0"/>
-              <a:t>11/28/2020</a:t>
+              <a:t>11/29/2020</a:t>
             </a:fld>
             <a:endParaRPr lang="en-US" dirty="0"/>
           </a:p>
@@ -4587,7 +4587,7 @@
           <a:p>
             <a:fld id="{250056FB-C992-4814-BF88-4714AAE6F15F}" type="datetime1">
               <a:rPr lang="en-US" smtClean="0"/>
-              <a:t>11/28/2020</a:t>
+              <a:t>11/29/2020</a:t>
             </a:fld>
             <a:endParaRPr lang="en-US" dirty="0"/>
           </a:p>
@@ -4709,7 +4709,7 @@
           <a:p>
             <a:fld id="{785B1B61-D0C5-4EC6-9473-83945FC33DAD}" type="datetime1">
               <a:rPr lang="en-US" smtClean="0"/>
-              <a:t>11/28/2020</a:t>
+              <a:t>11/29/2020</a:t>
             </a:fld>
             <a:endParaRPr lang="en-US" dirty="0"/>
           </a:p>
@@ -4960,7 +4960,7 @@
           <a:p>
             <a:fld id="{7712FEA2-F721-46A5-8464-21050A16AD07}" type="datetime1">
               <a:rPr lang="en-US" smtClean="0"/>
-              <a:t>11/28/2020</a:t>
+              <a:t>11/29/2020</a:t>
             </a:fld>
             <a:endParaRPr lang="en-US" dirty="0"/>
           </a:p>
@@ -5271,7 +5271,7 @@
           <a:p>
             <a:fld id="{3F654DFD-C3C7-42E6-84DB-D69CDE42858A}" type="datetime1">
               <a:rPr lang="en-US" smtClean="0"/>
-              <a:t>11/28/2020</a:t>
+              <a:t>11/29/2020</a:t>
             </a:fld>
             <a:endParaRPr lang="en-US" dirty="0"/>
           </a:p>
@@ -5618,7 +5618,7 @@
           <a:p>
             <a:fld id="{988D205B-FE41-4486-82A4-7F82E2AF38A1}" type="datetime1">
               <a:rPr lang="en-US" smtClean="0"/>
-              <a:t>11/28/2020</a:t>
+              <a:t>11/29/2020</a:t>
             </a:fld>
             <a:endParaRPr lang="en-US" dirty="0"/>
           </a:p>
@@ -6801,7 +6801,11 @@
             </a:pPr>
             <a:r>
               <a:rPr lang="hu-HU" sz="2400" dirty="0"/>
-              <a:t>Az általunk készített tesztképekre </a:t>
+              <a:t>Az </a:t>
+            </a:r>
+            <a:r>
+              <a:rPr lang="hu-HU" sz="2400" dirty="0" smtClean="0"/>
+              <a:t>összes tesztképre </a:t>
             </a:r>
             <a:r>
               <a:rPr lang="hu-HU" sz="2400" dirty="0" smtClean="0"/>
@@ -6809,7 +6813,7 @@
             </a:r>
             <a:r>
               <a:rPr lang="hu-HU" sz="2400" dirty="0" smtClean="0"/>
-              <a:t>72 </a:t>
+              <a:t>79 </a:t>
             </a:r>
             <a:r>
               <a:rPr lang="hu-HU" sz="2400" dirty="0" smtClean="0"/>
@@ -7056,7 +7060,11 @@
             </a:pPr>
             <a:r>
               <a:rPr lang="hu-HU" sz="2400" dirty="0" smtClean="0"/>
-              <a:t>Az eszközön tárolt, vagy az eszköz által készített képeken</a:t>
+              <a:t>Az </a:t>
+            </a:r>
+            <a:r>
+              <a:rPr lang="hu-HU" sz="2400" dirty="0" smtClean="0"/>
+              <a:t>eszköz által készített képeken</a:t>
             </a:r>
           </a:p>
           <a:p>
